--- a/Presentations/Lecture1.pptx
+++ b/Presentations/Lecture1.pptx
@@ -702,13 +702,16 @@
           <a:p>
             <a:r>
               <a:rPr lang="en-US" dirty="0"/>
-              <a:t>EXAMPLES: </a:t>
+              <a:t>Show </a:t>
             </a:r>
             <a:r>
               <a:rPr lang="en-US" dirty="0" err="1"/>
-              <a:t>LocalVarDeclarations</a:t>
-            </a:r>
-            <a:endParaRPr lang="en-US" dirty="0"/>
+              <a:t>BasicConsoleIOExample</a:t>
+            </a:r>
+            <a:r>
+              <a:rPr lang="en-US" dirty="0"/>
+              <a:t> !!!</a:t>
+            </a:r>
           </a:p>
         </p:txBody>
       </p:sp>
@@ -729,7 +732,7 @@
           <a:p>
             <a:fld id="{CE49CE8B-BEBD-0A45-AE03-3D1072DBCC61}" type="slidenum">
               <a:rPr lang="en-US" smtClean="0"/>
-              <a:t>10</a:t>
+              <a:t>7</a:t>
             </a:fld>
             <a:endParaRPr lang="en-US"/>
           </a:p>
@@ -738,7 +741,7 @@
     </p:spTree>
     <p:extLst>
       <p:ext uri="{BB962C8B-B14F-4D97-AF65-F5344CB8AC3E}">
-        <p14:creationId xmlns:p14="http://schemas.microsoft.com/office/powerpoint/2010/main" val="1710609788"/>
+        <p14:creationId xmlns:p14="http://schemas.microsoft.com/office/powerpoint/2010/main" val="1941158279"/>
       </p:ext>
     </p:extLst>
   </p:cSld>
@@ -794,7 +797,15 @@
           <a:p>
             <a:r>
               <a:rPr lang="en-US" dirty="0"/>
-              <a:t>Switch expression !!!</a:t>
+              <a:t>EXAMPLES!!!! </a:t>
+            </a:r>
+            <a:r>
+              <a:rPr lang="en-US" dirty="0" err="1"/>
+              <a:t>StringExample</a:t>
+            </a:r>
+            <a:r>
+              <a:rPr lang="en-US" dirty="0"/>
+              <a:t> !!!</a:t>
             </a:r>
           </a:p>
         </p:txBody>
@@ -816,7 +827,7 @@
           <a:p>
             <a:fld id="{CE49CE8B-BEBD-0A45-AE03-3D1072DBCC61}" type="slidenum">
               <a:rPr lang="en-US" smtClean="0"/>
-              <a:t>32</a:t>
+              <a:t>23</a:t>
             </a:fld>
             <a:endParaRPr lang="en-US"/>
           </a:p>
@@ -825,7 +836,7 @@
     </p:spTree>
     <p:extLst>
       <p:ext uri="{BB962C8B-B14F-4D97-AF65-F5344CB8AC3E}">
-        <p14:creationId xmlns:p14="http://schemas.microsoft.com/office/powerpoint/2010/main" val="3529986687"/>
+        <p14:creationId xmlns:p14="http://schemas.microsoft.com/office/powerpoint/2010/main" val="915135778"/>
       </p:ext>
     </p:extLst>
   </p:cSld>
@@ -879,7 +890,10 @@
           <a:bodyPr/>
           <a:lstStyle/>
           <a:p>
-            <a:endParaRPr lang="en-US" dirty="0"/>
+            <a:r>
+              <a:rPr lang="en-US" dirty="0"/>
+              <a:t>Switch expression !!!</a:t>
+            </a:r>
           </a:p>
         </p:txBody>
       </p:sp>
@@ -900,7 +914,7 @@
           <a:p>
             <a:fld id="{CE49CE8B-BEBD-0A45-AE03-3D1072DBCC61}" type="slidenum">
               <a:rPr lang="en-US" smtClean="0"/>
-              <a:t>33</a:t>
+              <a:t>32</a:t>
             </a:fld>
             <a:endParaRPr lang="en-US"/>
           </a:p>
@@ -909,7 +923,7 @@
     </p:spTree>
     <p:extLst>
       <p:ext uri="{BB962C8B-B14F-4D97-AF65-F5344CB8AC3E}">
-        <p14:creationId xmlns:p14="http://schemas.microsoft.com/office/powerpoint/2010/main" val="221631982"/>
+        <p14:creationId xmlns:p14="http://schemas.microsoft.com/office/powerpoint/2010/main" val="3529986687"/>
       </p:ext>
     </p:extLst>
   </p:cSld>
@@ -964,6 +978,184 @@
           <a:lstStyle/>
           <a:p>
             <a:endParaRPr lang="en-US" dirty="0"/>
+          </a:p>
+        </p:txBody>
+      </p:sp>
+      <p:sp>
+        <p:nvSpPr>
+          <p:cNvPr id="4" name="Slide Number Placeholder 3"/>
+          <p:cNvSpPr>
+            <a:spLocks noGrp="1"/>
+          </p:cNvSpPr>
+          <p:nvPr>
+            <p:ph type="sldNum" sz="quarter" idx="5"/>
+          </p:nvPr>
+        </p:nvSpPr>
+        <p:spPr/>
+        <p:txBody>
+          <a:bodyPr/>
+          <a:lstStyle/>
+          <a:p>
+            <a:fld id="{CE49CE8B-BEBD-0A45-AE03-3D1072DBCC61}" type="slidenum">
+              <a:rPr lang="en-US" smtClean="0"/>
+              <a:t>33</a:t>
+            </a:fld>
+            <a:endParaRPr lang="en-US"/>
+          </a:p>
+        </p:txBody>
+      </p:sp>
+    </p:spTree>
+    <p:extLst>
+      <p:ext uri="{BB962C8B-B14F-4D97-AF65-F5344CB8AC3E}">
+        <p14:creationId xmlns:p14="http://schemas.microsoft.com/office/powerpoint/2010/main" val="221631982"/>
+      </p:ext>
+    </p:extLst>
+  </p:cSld>
+  <p:clrMapOvr>
+    <a:masterClrMapping/>
+  </p:clrMapOvr>
+</p:notes>
+</file>
+
+<file path=ppt/notesSlides/notesSlide13.xml><?xml version="1.0" encoding="utf-8"?>
+<p:notes xmlns:a="http://schemas.openxmlformats.org/drawingml/2006/main" xmlns:r="http://schemas.openxmlformats.org/officeDocument/2006/relationships" xmlns:p="http://schemas.openxmlformats.org/presentationml/2006/main">
+  <p:cSld>
+    <p:spTree>
+      <p:nvGrpSpPr>
+        <p:cNvPr id="1" name=""/>
+        <p:cNvGrpSpPr/>
+        <p:nvPr/>
+      </p:nvGrpSpPr>
+      <p:grpSpPr>
+        <a:xfrm>
+          <a:off x="0" y="0"/>
+          <a:ext cx="0" cy="0"/>
+          <a:chOff x="0" y="0"/>
+          <a:chExt cx="0" cy="0"/>
+        </a:xfrm>
+      </p:grpSpPr>
+      <p:sp>
+        <p:nvSpPr>
+          <p:cNvPr id="2" name="Slide Image Placeholder 1"/>
+          <p:cNvSpPr>
+            <a:spLocks noGrp="1" noRot="1" noChangeAspect="1"/>
+          </p:cNvSpPr>
+          <p:nvPr>
+            <p:ph type="sldImg"/>
+          </p:nvPr>
+        </p:nvSpPr>
+        <p:spPr/>
+      </p:sp>
+      <p:sp>
+        <p:nvSpPr>
+          <p:cNvPr id="3" name="Notes Placeholder 2"/>
+          <p:cNvSpPr>
+            <a:spLocks noGrp="1"/>
+          </p:cNvSpPr>
+          <p:nvPr>
+            <p:ph type="body" idx="1"/>
+          </p:nvPr>
+        </p:nvSpPr>
+        <p:spPr/>
+        <p:txBody>
+          <a:bodyPr/>
+          <a:lstStyle/>
+          <a:p>
+            <a:r>
+              <a:rPr lang="en-US" dirty="0"/>
+              <a:t>What loop control statements you know???</a:t>
+            </a:r>
+          </a:p>
+        </p:txBody>
+      </p:sp>
+      <p:sp>
+        <p:nvSpPr>
+          <p:cNvPr id="4" name="Slide Number Placeholder 3"/>
+          <p:cNvSpPr>
+            <a:spLocks noGrp="1"/>
+          </p:cNvSpPr>
+          <p:nvPr>
+            <p:ph type="sldNum" sz="quarter" idx="5"/>
+          </p:nvPr>
+        </p:nvSpPr>
+        <p:spPr/>
+        <p:txBody>
+          <a:bodyPr/>
+          <a:lstStyle/>
+          <a:p>
+            <a:fld id="{CE49CE8B-BEBD-0A45-AE03-3D1072DBCC61}" type="slidenum">
+              <a:rPr lang="en-US" smtClean="0"/>
+              <a:t>38</a:t>
+            </a:fld>
+            <a:endParaRPr lang="en-US"/>
+          </a:p>
+        </p:txBody>
+      </p:sp>
+    </p:spTree>
+    <p:extLst>
+      <p:ext uri="{BB962C8B-B14F-4D97-AF65-F5344CB8AC3E}">
+        <p14:creationId xmlns:p14="http://schemas.microsoft.com/office/powerpoint/2010/main" val="1569738915"/>
+      </p:ext>
+    </p:extLst>
+  </p:cSld>
+  <p:clrMapOvr>
+    <a:masterClrMapping/>
+  </p:clrMapOvr>
+</p:notes>
+</file>
+
+<file path=ppt/notesSlides/notesSlide14.xml><?xml version="1.0" encoding="utf-8"?>
+<p:notes xmlns:a="http://schemas.openxmlformats.org/drawingml/2006/main" xmlns:r="http://schemas.openxmlformats.org/officeDocument/2006/relationships" xmlns:p="http://schemas.openxmlformats.org/presentationml/2006/main">
+  <p:cSld>
+    <p:spTree>
+      <p:nvGrpSpPr>
+        <p:cNvPr id="1" name=""/>
+        <p:cNvGrpSpPr/>
+        <p:nvPr/>
+      </p:nvGrpSpPr>
+      <p:grpSpPr>
+        <a:xfrm>
+          <a:off x="0" y="0"/>
+          <a:ext cx="0" cy="0"/>
+          <a:chOff x="0" y="0"/>
+          <a:chExt cx="0" cy="0"/>
+        </a:xfrm>
+      </p:grpSpPr>
+      <p:sp>
+        <p:nvSpPr>
+          <p:cNvPr id="2" name="Slide Image Placeholder 1"/>
+          <p:cNvSpPr>
+            <a:spLocks noGrp="1" noRot="1" noChangeAspect="1"/>
+          </p:cNvSpPr>
+          <p:nvPr>
+            <p:ph type="sldImg"/>
+          </p:nvPr>
+        </p:nvSpPr>
+        <p:spPr/>
+      </p:sp>
+      <p:sp>
+        <p:nvSpPr>
+          <p:cNvPr id="3" name="Notes Placeholder 2"/>
+          <p:cNvSpPr>
+            <a:spLocks noGrp="1"/>
+          </p:cNvSpPr>
+          <p:nvPr>
+            <p:ph type="body" idx="1"/>
+          </p:nvPr>
+        </p:nvSpPr>
+        <p:spPr/>
+        <p:txBody>
+          <a:bodyPr/>
+          <a:lstStyle/>
+          <a:p>
+            <a:r>
+              <a:rPr lang="en-US" dirty="0" err="1"/>
+              <a:t>IterationAndDecisionExamples</a:t>
+            </a:r>
+            <a:r>
+              <a:rPr lang="en-US" dirty="0"/>
+              <a:t> !!!</a:t>
+            </a:r>
           </a:p>
         </p:txBody>
       </p:sp>
@@ -1049,13 +1241,23 @@
           <a:p>
             <a:r>
               <a:rPr lang="en-US" dirty="0"/>
-              <a:t>Name should be meaningful !!!</a:t>
-            </a:r>
-          </a:p>
-          <a:p>
+              <a:t>EXAMPLES: </a:t>
+            </a:r>
+            <a:r>
+              <a:rPr lang="en-US" dirty="0" err="1"/>
+              <a:t>LocalVarDeclarations</a:t>
+            </a:r>
             <a:r>
               <a:rPr lang="en-US" dirty="0"/>
-              <a:t>Compiler will show errors if there are problems with naming.</a:t>
+              <a:t> in </a:t>
+            </a:r>
+            <a:r>
+              <a:rPr lang="en-US" dirty="0" err="1"/>
+              <a:t>BasicDataTypesExample</a:t>
+            </a:r>
+            <a:r>
+              <a:rPr lang="en-US" dirty="0"/>
+              <a:t>!!!</a:t>
             </a:r>
           </a:p>
         </p:txBody>
@@ -1077,7 +1279,7 @@
           <a:p>
             <a:fld id="{CE49CE8B-BEBD-0A45-AE03-3D1072DBCC61}" type="slidenum">
               <a:rPr lang="en-US" smtClean="0"/>
-              <a:t>11</a:t>
+              <a:t>10</a:t>
             </a:fld>
             <a:endParaRPr lang="en-US"/>
           </a:p>
@@ -1086,7 +1288,7 @@
     </p:spTree>
     <p:extLst>
       <p:ext uri="{BB962C8B-B14F-4D97-AF65-F5344CB8AC3E}">
-        <p14:creationId xmlns:p14="http://schemas.microsoft.com/office/powerpoint/2010/main" val="668275793"/>
+        <p14:creationId xmlns:p14="http://schemas.microsoft.com/office/powerpoint/2010/main" val="1710609788"/>
       </p:ext>
     </p:extLst>
   </p:cSld>
@@ -1142,7 +1344,13 @@
           <a:p>
             <a:r>
               <a:rPr lang="en-US" dirty="0"/>
-              <a:t>Global scope variables for static.</a:t>
+              <a:t>Name should be meaningful !!!</a:t>
+            </a:r>
+          </a:p>
+          <a:p>
+            <a:r>
+              <a:rPr lang="en-US" dirty="0"/>
+              <a:t>Compiler will show errors if there are problems with naming.</a:t>
             </a:r>
           </a:p>
         </p:txBody>
@@ -1164,7 +1372,7 @@
           <a:p>
             <a:fld id="{CE49CE8B-BEBD-0A45-AE03-3D1072DBCC61}" type="slidenum">
               <a:rPr lang="en-US" smtClean="0"/>
-              <a:t>12</a:t>
+              <a:t>11</a:t>
             </a:fld>
             <a:endParaRPr lang="en-US"/>
           </a:p>
@@ -1173,7 +1381,7 @@
     </p:spTree>
     <p:extLst>
       <p:ext uri="{BB962C8B-B14F-4D97-AF65-F5344CB8AC3E}">
-        <p14:creationId xmlns:p14="http://schemas.microsoft.com/office/powerpoint/2010/main" val="466976418"/>
+        <p14:creationId xmlns:p14="http://schemas.microsoft.com/office/powerpoint/2010/main" val="668275793"/>
       </p:ext>
     </p:extLst>
   </p:cSld>
@@ -1229,7 +1437,7 @@
           <a:p>
             <a:r>
               <a:rPr lang="en-US" dirty="0"/>
-              <a:t>Default values !!! </a:t>
+              <a:t>Global scope variables for static.</a:t>
             </a:r>
           </a:p>
         </p:txBody>
@@ -1251,7 +1459,7 @@
           <a:p>
             <a:fld id="{CE49CE8B-BEBD-0A45-AE03-3D1072DBCC61}" type="slidenum">
               <a:rPr lang="en-US" smtClean="0"/>
-              <a:t>16</a:t>
+              <a:t>12</a:t>
             </a:fld>
             <a:endParaRPr lang="en-US"/>
           </a:p>
@@ -1260,7 +1468,7 @@
     </p:spTree>
     <p:extLst>
       <p:ext uri="{BB962C8B-B14F-4D97-AF65-F5344CB8AC3E}">
-        <p14:creationId xmlns:p14="http://schemas.microsoft.com/office/powerpoint/2010/main" val="2158883963"/>
+        <p14:creationId xmlns:p14="http://schemas.microsoft.com/office/powerpoint/2010/main" val="466976418"/>
       </p:ext>
     </p:extLst>
   </p:cSld>
@@ -1316,13 +1524,18 @@
           <a:p>
             <a:r>
               <a:rPr lang="en-US" dirty="0"/>
-              <a:t>EXAMPLES!!! </a:t>
-            </a:r>
+              <a:t>Default values !!!</a:t>
+            </a:r>
+          </a:p>
+          <a:p>
             <a:r>
               <a:rPr lang="en-US" dirty="0" err="1"/>
-              <a:t>DeclareImplicitVars</a:t>
-            </a:r>
-            <a:endParaRPr lang="en-US" dirty="0"/>
+              <a:t>BasicDataTypesExample</a:t>
+            </a:r>
+            <a:r>
+              <a:rPr lang="en-US" dirty="0"/>
+              <a:t>!!! </a:t>
+            </a:r>
           </a:p>
         </p:txBody>
       </p:sp>
@@ -1343,7 +1556,7 @@
           <a:p>
             <a:fld id="{CE49CE8B-BEBD-0A45-AE03-3D1072DBCC61}" type="slidenum">
               <a:rPr lang="en-US" smtClean="0"/>
-              <a:t>17</a:t>
+              <a:t>16</a:t>
             </a:fld>
             <a:endParaRPr lang="en-US"/>
           </a:p>
@@ -1352,7 +1565,7 @@
     </p:spTree>
     <p:extLst>
       <p:ext uri="{BB962C8B-B14F-4D97-AF65-F5344CB8AC3E}">
-        <p14:creationId xmlns:p14="http://schemas.microsoft.com/office/powerpoint/2010/main" val="3872413797"/>
+        <p14:creationId xmlns:p14="http://schemas.microsoft.com/office/powerpoint/2010/main" val="2158883963"/>
       </p:ext>
     </p:extLst>
   </p:cSld>
@@ -1410,6 +1623,14 @@
               <a:rPr lang="en-US" dirty="0"/>
               <a:t>EXAMPLES!!! </a:t>
             </a:r>
+            <a:r>
+              <a:rPr lang="en-US" dirty="0" err="1"/>
+              <a:t>ImplicitlyTypesLocalVarExample</a:t>
+            </a:r>
+            <a:r>
+              <a:rPr lang="en-US" dirty="0"/>
+              <a:t> !!!</a:t>
+            </a:r>
           </a:p>
         </p:txBody>
       </p:sp>
@@ -1430,7 +1651,7 @@
           <a:p>
             <a:fld id="{CE49CE8B-BEBD-0A45-AE03-3D1072DBCC61}" type="slidenum">
               <a:rPr lang="en-US" smtClean="0"/>
-              <a:t>19</a:t>
+              <a:t>17</a:t>
             </a:fld>
             <a:endParaRPr lang="en-US"/>
           </a:p>
@@ -1439,7 +1660,7 @@
     </p:spTree>
     <p:extLst>
       <p:ext uri="{BB962C8B-B14F-4D97-AF65-F5344CB8AC3E}">
-        <p14:creationId xmlns:p14="http://schemas.microsoft.com/office/powerpoint/2010/main" val="2682055727"/>
+        <p14:creationId xmlns:p14="http://schemas.microsoft.com/office/powerpoint/2010/main" val="3872413797"/>
       </p:ext>
     </p:extLst>
   </p:cSld>
@@ -1493,7 +1714,18 @@
           <a:bodyPr/>
           <a:lstStyle/>
           <a:p>
-            <a:endParaRPr lang="en-US" dirty="0"/>
+            <a:r>
+              <a:rPr lang="en-US" dirty="0"/>
+              <a:t>EXAMPLES!!!  </a:t>
+            </a:r>
+            <a:r>
+              <a:rPr lang="en-US" dirty="0" err="1"/>
+              <a:t>EnumExamples</a:t>
+            </a:r>
+            <a:r>
+              <a:rPr lang="en-US" dirty="0"/>
+              <a:t>!!!</a:t>
+            </a:r>
           </a:p>
         </p:txBody>
       </p:sp>
@@ -1514,7 +1746,7 @@
           <a:p>
             <a:fld id="{CE49CE8B-BEBD-0A45-AE03-3D1072DBCC61}" type="slidenum">
               <a:rPr lang="en-US" smtClean="0"/>
-              <a:t>21</a:t>
+              <a:t>19</a:t>
             </a:fld>
             <a:endParaRPr lang="en-US"/>
           </a:p>
@@ -1523,7 +1755,7 @@
     </p:spTree>
     <p:extLst>
       <p:ext uri="{BB962C8B-B14F-4D97-AF65-F5344CB8AC3E}">
-        <p14:creationId xmlns:p14="http://schemas.microsoft.com/office/powerpoint/2010/main" val="4197855505"/>
+        <p14:creationId xmlns:p14="http://schemas.microsoft.com/office/powerpoint/2010/main" val="2682055727"/>
       </p:ext>
     </p:extLst>
   </p:cSld>
@@ -1577,10 +1809,7 @@
           <a:bodyPr/>
           <a:lstStyle/>
           <a:p>
-            <a:r>
-              <a:rPr lang="en-US" dirty="0"/>
-              <a:t>Use StringBuilder for multiple concatenations !!!</a:t>
-            </a:r>
+            <a:endParaRPr lang="en-US" dirty="0"/>
           </a:p>
         </p:txBody>
       </p:sp>
@@ -1601,7 +1830,7 @@
           <a:p>
             <a:fld id="{CE49CE8B-BEBD-0A45-AE03-3D1072DBCC61}" type="slidenum">
               <a:rPr lang="en-US" smtClean="0"/>
-              <a:t>22</a:t>
+              <a:t>21</a:t>
             </a:fld>
             <a:endParaRPr lang="en-US"/>
           </a:p>
@@ -1610,7 +1839,7 @@
     </p:spTree>
     <p:extLst>
       <p:ext uri="{BB962C8B-B14F-4D97-AF65-F5344CB8AC3E}">
-        <p14:creationId xmlns:p14="http://schemas.microsoft.com/office/powerpoint/2010/main" val="1083629002"/>
+        <p14:creationId xmlns:p14="http://schemas.microsoft.com/office/powerpoint/2010/main" val="4197855505"/>
       </p:ext>
     </p:extLst>
   </p:cSld>
@@ -1666,7 +1895,7 @@
           <a:p>
             <a:r>
               <a:rPr lang="en-US" dirty="0"/>
-              <a:t>EXAMPLES!!!!</a:t>
+              <a:t>Use StringBuilder for multiple concatenations !!!</a:t>
             </a:r>
           </a:p>
         </p:txBody>
@@ -1688,7 +1917,7 @@
           <a:p>
             <a:fld id="{CE49CE8B-BEBD-0A45-AE03-3D1072DBCC61}" type="slidenum">
               <a:rPr lang="en-US" smtClean="0"/>
-              <a:t>23</a:t>
+              <a:t>22</a:t>
             </a:fld>
             <a:endParaRPr lang="en-US"/>
           </a:p>
@@ -1697,7 +1926,7 @@
     </p:spTree>
     <p:extLst>
       <p:ext uri="{BB962C8B-B14F-4D97-AF65-F5344CB8AC3E}">
-        <p14:creationId xmlns:p14="http://schemas.microsoft.com/office/powerpoint/2010/main" val="915135778"/>
+        <p14:creationId xmlns:p14="http://schemas.microsoft.com/office/powerpoint/2010/main" val="1083629002"/>
       </p:ext>
     </p:extLst>
   </p:cSld>
@@ -37410,10 +37639,10 @@
       </p:sp>
       <p:pic>
         <p:nvPicPr>
-          <p:cNvPr id="8" name="Content Placeholder 4">
+          <p:cNvPr id="4" name="Picture 3">
             <a:extLst>
               <a:ext uri="{FF2B5EF4-FFF2-40B4-BE49-F238E27FC236}">
-                <a16:creationId xmlns:a16="http://schemas.microsoft.com/office/drawing/2014/main" id="{F6FF26E1-39C7-4475-A96E-2B32D61AFD25}"/>
+                <a16:creationId xmlns:a16="http://schemas.microsoft.com/office/drawing/2014/main" id="{10A47E72-ECC6-4ABB-B21A-FB7F9DAC70D6}"/>
               </a:ext>
             </a:extLst>
           </p:cNvPr>
@@ -37430,8 +37659,8 @@
         </p:blipFill>
         <p:spPr>
           <a:xfrm>
-            <a:off x="922575" y="2104780"/>
-            <a:ext cx="3924524" cy="3845169"/>
+            <a:off x="942593" y="2246446"/>
+            <a:ext cx="4492332" cy="3780034"/>
           </a:xfrm>
           <a:prstGeom prst="rect">
             <a:avLst/>
@@ -40936,7 +41165,7 @@
           <a:p>
             <a:r>
               <a:rPr lang="en-US" dirty="0"/>
-              <a:t>technique where you test an expression to determine if it has certain characteristics.</a:t>
+              <a:t>technique where you test an expression to determine if it has certain characteristics</a:t>
             </a:r>
           </a:p>
           <a:p>
@@ -43163,7 +43392,7 @@
           <p:nvPr/>
         </p:nvPicPr>
         <p:blipFill>
-          <a:blip r:embed="rId2"/>
+          <a:blip r:embed="rId3"/>
           <a:stretch>
             <a:fillRect/>
           </a:stretch>
@@ -44338,15 +44567,6 @@
 </file>
 
 <file path=customXml/item1.xml><?xml version="1.0" encoding="utf-8"?>
-<?mso-contentType ?>
-<FormTemplates xmlns="http://schemas.microsoft.com/sharepoint/v3/contenttype/forms">
-  <Display>DocumentLibraryForm</Display>
-  <Edit>DocumentLibraryForm</Edit>
-  <New>DocumentLibraryForm</New>
-</FormTemplates>
-</file>
-
-<file path=customXml/item2.xml><?xml version="1.0" encoding="utf-8"?>
 <ct:contentTypeSchema xmlns:ct="http://schemas.microsoft.com/office/2006/metadata/contentType" xmlns:ma="http://schemas.microsoft.com/office/2006/metadata/properties/metaAttributes" ct:_="" ma:_="" ma:contentTypeName="Document" ma:contentTypeID="0x01010053248E746CFD3A4AB7944F0DCA50FEB0" ma:contentTypeVersion="14" ma:contentTypeDescription="Create a new document." ma:contentTypeScope="" ma:versionID="c3a32543fedd43f251e20abbd2a46100">
   <xsd:schema xmlns:xsd="http://www.w3.org/2001/XMLSchema" xmlns:xs="http://www.w3.org/2001/XMLSchema" xmlns:p="http://schemas.microsoft.com/office/2006/metadata/properties" xmlns:ns1="http://schemas.microsoft.com/sharepoint/v3" xmlns:ns2="48f9b003-9815-4450-ae55-1d55440f7881" xmlns:ns3="bc1251dc-0a05-4a11-8c0b-86a1ef9b23b6" targetNamespace="http://schemas.microsoft.com/office/2006/metadata/properties" ma:root="true" ma:fieldsID="a1dd891d7fd24f7428ddf53fa1edc27f" ns1:_="" ns2:_="" ns3:_="">
     <xsd:import namespace="http://schemas.microsoft.com/sharepoint/v3"/>
@@ -44580,7 +44800,7 @@
 </ct:contentTypeSchema>
 </file>
 
-<file path=customXml/item3.xml><?xml version="1.0" encoding="utf-8"?>
+<file path=customXml/item2.xml><?xml version="1.0" encoding="utf-8"?>
 <p:properties xmlns:p="http://schemas.microsoft.com/office/2006/metadata/properties" xmlns:xsi="http://www.w3.org/2001/XMLSchema-instance" xmlns:pc="http://schemas.microsoft.com/office/infopath/2007/PartnerControls">
   <documentManagement>
     <_ip_UnifiedCompliancePolicyUIAction xmlns="http://schemas.microsoft.com/sharepoint/v3" xsi:nil="true"/>
@@ -44589,15 +44809,16 @@
 </p:properties>
 </file>
 
-<file path=customXml/itemProps1.xml><?xml version="1.0" encoding="utf-8"?>
-<ds:datastoreItem xmlns:ds="http://schemas.openxmlformats.org/officeDocument/2006/customXml" ds:itemID="{E7E30202-F159-4337-AAB1-D9A1D4A10F4D}">
-  <ds:schemaRefs>
-    <ds:schemaRef ds:uri="http://schemas.microsoft.com/sharepoint/v3/contenttype/forms"/>
-  </ds:schemaRefs>
-</ds:datastoreItem>
+<file path=customXml/item3.xml><?xml version="1.0" encoding="utf-8"?>
+<?mso-contentType ?>
+<FormTemplates xmlns="http://schemas.microsoft.com/sharepoint/v3/contenttype/forms">
+  <Display>DocumentLibraryForm</Display>
+  <Edit>DocumentLibraryForm</Edit>
+  <New>DocumentLibraryForm</New>
+</FormTemplates>
 </file>
 
-<file path=customXml/itemProps2.xml><?xml version="1.0" encoding="utf-8"?>
+<file path=customXml/itemProps1.xml><?xml version="1.0" encoding="utf-8"?>
 <ds:datastoreItem xmlns:ds="http://schemas.openxmlformats.org/officeDocument/2006/customXml" ds:itemID="{52336DEC-B99E-4B9F-94A7-AD1F55D424CC}">
   <ds:schemaRefs>
     <ds:schemaRef ds:uri="http://schemas.microsoft.com/office/2006/metadata/contentType"/>
@@ -44617,7 +44838,7 @@
 </ds:datastoreItem>
 </file>
 
-<file path=customXml/itemProps3.xml><?xml version="1.0" encoding="utf-8"?>
+<file path=customXml/itemProps2.xml><?xml version="1.0" encoding="utf-8"?>
 <ds:datastoreItem xmlns:ds="http://schemas.openxmlformats.org/officeDocument/2006/customXml" ds:itemID="{94CDC4D5-82A8-4C65-AA1C-30406A27975B}">
   <ds:schemaRefs>
     <ds:schemaRef ds:uri="http://schemas.microsoft.com/office/2006/metadata/properties"/>
@@ -44625,4 +44846,12 @@
     <ds:schemaRef ds:uri="http://schemas.microsoft.com/sharepoint/v3"/>
   </ds:schemaRefs>
 </ds:datastoreItem>
+</file>
+
+<file path=customXml/itemProps3.xml><?xml version="1.0" encoding="utf-8"?>
+<ds:datastoreItem xmlns:ds="http://schemas.openxmlformats.org/officeDocument/2006/customXml" ds:itemID="{E7E30202-F159-4337-AAB1-D9A1D4A10F4D}">
+  <ds:schemaRefs>
+    <ds:schemaRef ds:uri="http://schemas.microsoft.com/sharepoint/v3/contenttype/forms"/>
+  </ds:schemaRefs>
+</ds:datastoreItem>
 </file>